--- a/assets/project/projects.pptx
+++ b/assets/project/projects.pptx
@@ -5,8 +5,8 @@
     <p:sldMasterId id="2147483660" r:id="rId1"/>
   </p:sldMasterIdLst>
   <p:sldIdLst>
-    <p:sldId id="256" r:id="rId2"/>
-    <p:sldId id="257" r:id="rId3"/>
+    <p:sldId id="257" r:id="rId2"/>
+    <p:sldId id="256" r:id="rId3"/>
     <p:sldId id="258" r:id="rId4"/>
     <p:sldId id="259" r:id="rId5"/>
     <p:sldId id="260" r:id="rId6"/>
@@ -109,13 +109,18 @@
       </a:defRPr>
     </a:lvl9pPr>
   </p:defaultTextStyle>
+  <p:extLst>
+    <p:ext uri="{EFAFB233-063F-42B5-8137-9DF3F51BA10A}">
+      <p15:sldGuideLst xmlns:p15="http://schemas.microsoft.com/office/powerpoint/2012/main"/>
+    </p:ext>
+  </p:extLst>
 </p:presentation>
 </file>
 
 <file path=ppt/revisionInfo.xml><?xml version="1.0" encoding="utf-8"?>
 <p1510:revInfo xmlns:a="http://schemas.openxmlformats.org/drawingml/2006/main" xmlns:r="http://schemas.openxmlformats.org/officeDocument/2006/relationships" xmlns:p1510="http://schemas.microsoft.com/office/powerpoint/2015/10/main">
   <p1510:revLst>
-    <p1510:client id="{72089203-F127-414F-A7F4-26F57999BB62}" v="110" dt="2025-08-26T01:40:54.465"/>
+    <p1510:client id="{72089203-F127-414F-A7F4-26F57999BB62}" v="195" dt="2025-08-26T02:38:42.777"/>
   </p1510:revLst>
 </p1510:revInfo>
 </file>
@@ -124,8 +129,8 @@
 <pc:chgInfo xmlns:a="http://schemas.openxmlformats.org/drawingml/2006/main" xmlns:r="http://schemas.openxmlformats.org/officeDocument/2006/relationships" xmlns:ac="http://schemas.microsoft.com/office/drawing/2013/main/command" xmlns:pc="http://schemas.microsoft.com/office/powerpoint/2013/main/command">
   <pc:docChgLst>
     <pc:chgData name="Daniel Lazo" userId="46001224-d0a7-4699-b4dd-f7a2303d0155" providerId="ADAL" clId="{72089203-F127-414F-A7F4-26F57999BB62}"/>
-    <pc:docChg chg="custSel modSld">
-      <pc:chgData name="Daniel Lazo" userId="46001224-d0a7-4699-b4dd-f7a2303d0155" providerId="ADAL" clId="{72089203-F127-414F-A7F4-26F57999BB62}" dt="2025-08-26T01:40:54.465" v="137" actId="478"/>
+    <pc:docChg chg="undo custSel modSld sldOrd">
+      <pc:chgData name="Daniel Lazo" userId="46001224-d0a7-4699-b4dd-f7a2303d0155" providerId="ADAL" clId="{72089203-F127-414F-A7F4-26F57999BB62}" dt="2025-08-26T02:40:15.537" v="530"/>
       <pc:docMkLst>
         <pc:docMk/>
       </pc:docMkLst>
@@ -144,8 +149,8 @@
           </ac:picMkLst>
         </pc:picChg>
       </pc:sldChg>
-      <pc:sldChg chg="addSp delSp modSp mod setBg">
-        <pc:chgData name="Daniel Lazo" userId="46001224-d0a7-4699-b4dd-f7a2303d0155" providerId="ADAL" clId="{72089203-F127-414F-A7F4-26F57999BB62}" dt="2025-08-26T01:40:54.465" v="137" actId="478"/>
+      <pc:sldChg chg="addSp delSp modSp mod ord setBg">
+        <pc:chgData name="Daniel Lazo" userId="46001224-d0a7-4699-b4dd-f7a2303d0155" providerId="ADAL" clId="{72089203-F127-414F-A7F4-26F57999BB62}" dt="2025-08-26T02:40:15.537" v="530"/>
         <pc:sldMkLst>
           <pc:docMk/>
           <pc:sldMk cId="3427763724" sldId="257"/>
@@ -156,6 +161,14 @@
             <pc:docMk/>
             <pc:sldMk cId="3427763724" sldId="257"/>
             <ac:picMk id="4" creationId="{7B9C7A93-6851-FC3D-3E50-0433103DFCEE}"/>
+          </ac:picMkLst>
+        </pc:picChg>
+        <pc:picChg chg="add mod">
+          <ac:chgData name="Daniel Lazo" userId="46001224-d0a7-4699-b4dd-f7a2303d0155" providerId="ADAL" clId="{72089203-F127-414F-A7F4-26F57999BB62}" dt="2025-08-26T02:13:00.106" v="191" actId="12789"/>
+          <ac:picMkLst>
+            <pc:docMk/>
+            <pc:sldMk cId="3427763724" sldId="257"/>
+            <ac:picMk id="9" creationId="{51602A4C-B2B5-7D80-11CF-01DDA1F22029}"/>
           </ac:picMkLst>
         </pc:picChg>
         <pc:picChg chg="del mod">
@@ -198,8 +211,8 @@
             <ac:picMk id="2058" creationId="{C9AB95E7-A639-D964-87D8-3092B60ADA15}"/>
           </ac:picMkLst>
         </pc:picChg>
-        <pc:picChg chg="add mod">
-          <ac:chgData name="Daniel Lazo" userId="46001224-d0a7-4699-b4dd-f7a2303d0155" providerId="ADAL" clId="{72089203-F127-414F-A7F4-26F57999BB62}" dt="2025-08-25T03:27:32.107" v="133"/>
+        <pc:picChg chg="add del mod">
+          <ac:chgData name="Daniel Lazo" userId="46001224-d0a7-4699-b4dd-f7a2303d0155" providerId="ADAL" clId="{72089203-F127-414F-A7F4-26F57999BB62}" dt="2025-08-26T02:11:59.646" v="138" actId="478"/>
           <ac:picMkLst>
             <pc:docMk/>
             <pc:sldMk cId="3427763724" sldId="257"/>
@@ -224,7 +237,7 @@
         </pc:cxnChg>
       </pc:sldChg>
       <pc:sldChg chg="addSp delSp modSp mod setBg">
-        <pc:chgData name="Daniel Lazo" userId="46001224-d0a7-4699-b4dd-f7a2303d0155" providerId="ADAL" clId="{72089203-F127-414F-A7F4-26F57999BB62}" dt="2025-08-25T03:20:38.607" v="37" actId="2085"/>
+        <pc:chgData name="Daniel Lazo" userId="46001224-d0a7-4699-b4dd-f7a2303d0155" providerId="ADAL" clId="{72089203-F127-414F-A7F4-26F57999BB62}" dt="2025-08-26T02:13:52.249" v="204" actId="478"/>
         <pc:sldMkLst>
           <pc:docMk/>
           <pc:sldMk cId="3822979960" sldId="258"/>
@@ -261,6 +274,22 @@
             <ac:spMk id="7" creationId="{0C29B9E5-7005-9841-50EE-F6B42A4E74C1}"/>
           </ac:spMkLst>
         </pc:spChg>
+        <pc:picChg chg="add mod">
+          <ac:chgData name="Daniel Lazo" userId="46001224-d0a7-4699-b4dd-f7a2303d0155" providerId="ADAL" clId="{72089203-F127-414F-A7F4-26F57999BB62}" dt="2025-08-26T02:13:24.180" v="195" actId="1076"/>
+          <ac:picMkLst>
+            <pc:docMk/>
+            <pc:sldMk cId="3822979960" sldId="258"/>
+            <ac:picMk id="8" creationId="{3C2CC45B-F76B-DBDF-7CFF-B65ECE8353F3}"/>
+          </ac:picMkLst>
+        </pc:picChg>
+        <pc:picChg chg="add del mod">
+          <ac:chgData name="Daniel Lazo" userId="46001224-d0a7-4699-b4dd-f7a2303d0155" providerId="ADAL" clId="{72089203-F127-414F-A7F4-26F57999BB62}" dt="2025-08-26T02:13:52.249" v="204" actId="478"/>
+          <ac:picMkLst>
+            <pc:docMk/>
+            <pc:sldMk cId="3822979960" sldId="258"/>
+            <ac:picMk id="9" creationId="{42303168-7562-2DC5-203E-EB83413B0D6F}"/>
+          </ac:picMkLst>
+        </pc:picChg>
         <pc:picChg chg="del mod">
           <ac:chgData name="Daniel Lazo" userId="46001224-d0a7-4699-b4dd-f7a2303d0155" providerId="ADAL" clId="{72089203-F127-414F-A7F4-26F57999BB62}" dt="2025-08-25T03:19:08.636" v="12" actId="478"/>
           <ac:picMkLst>
@@ -278,11 +307,168 @@
           </ac:picMkLst>
         </pc:picChg>
         <pc:picChg chg="add mod">
-          <ac:chgData name="Daniel Lazo" userId="46001224-d0a7-4699-b4dd-f7a2303d0155" providerId="ADAL" clId="{72089203-F127-414F-A7F4-26F57999BB62}" dt="2025-08-25T03:20:00.348" v="27" actId="12789"/>
+          <ac:chgData name="Daniel Lazo" userId="46001224-d0a7-4699-b4dd-f7a2303d0155" providerId="ADAL" clId="{72089203-F127-414F-A7F4-26F57999BB62}" dt="2025-08-26T02:13:12.742" v="192"/>
           <ac:picMkLst>
             <pc:docMk/>
             <pc:sldMk cId="3822979960" sldId="258"/>
             <ac:picMk id="3078" creationId="{6A703C47-C218-3D4C-45B1-32718F5F505A}"/>
+          </ac:picMkLst>
+        </pc:picChg>
+      </pc:sldChg>
+      <pc:sldChg chg="addSp delSp modSp mod setBg">
+        <pc:chgData name="Daniel Lazo" userId="46001224-d0a7-4699-b4dd-f7a2303d0155" providerId="ADAL" clId="{72089203-F127-414F-A7F4-26F57999BB62}" dt="2025-08-26T02:31:17.297" v="522"/>
+        <pc:sldMkLst>
+          <pc:docMk/>
+          <pc:sldMk cId="2123302832" sldId="259"/>
+        </pc:sldMkLst>
+        <pc:spChg chg="del">
+          <ac:chgData name="Daniel Lazo" userId="46001224-d0a7-4699-b4dd-f7a2303d0155" providerId="ADAL" clId="{72089203-F127-414F-A7F4-26F57999BB62}" dt="2025-08-26T02:13:57.917" v="205" actId="478"/>
+          <ac:spMkLst>
+            <pc:docMk/>
+            <pc:sldMk cId="2123302832" sldId="259"/>
+            <ac:spMk id="2" creationId="{1FE43E3A-C494-23F5-4582-938902F65F6C}"/>
+          </ac:spMkLst>
+        </pc:spChg>
+        <pc:spChg chg="del">
+          <ac:chgData name="Daniel Lazo" userId="46001224-d0a7-4699-b4dd-f7a2303d0155" providerId="ADAL" clId="{72089203-F127-414F-A7F4-26F57999BB62}" dt="2025-08-26T02:13:57.917" v="205" actId="478"/>
+          <ac:spMkLst>
+            <pc:docMk/>
+            <pc:sldMk cId="2123302832" sldId="259"/>
+            <ac:spMk id="3" creationId="{41D4CC3E-1C2C-1FE6-33E6-DC760C8C3D20}"/>
+          </ac:spMkLst>
+        </pc:spChg>
+        <pc:spChg chg="add">
+          <ac:chgData name="Daniel Lazo" userId="46001224-d0a7-4699-b4dd-f7a2303d0155" providerId="ADAL" clId="{72089203-F127-414F-A7F4-26F57999BB62}" dt="2025-08-26T02:28:50.958" v="465"/>
+          <ac:spMkLst>
+            <pc:docMk/>
+            <pc:sldMk cId="2123302832" sldId="259"/>
+            <ac:spMk id="4" creationId="{785EA6BD-B04F-521C-1303-7DDCD1E799AE}"/>
+          </ac:spMkLst>
+        </pc:spChg>
+        <pc:spChg chg="add mod">
+          <ac:chgData name="Daniel Lazo" userId="46001224-d0a7-4699-b4dd-f7a2303d0155" providerId="ADAL" clId="{72089203-F127-414F-A7F4-26F57999BB62}" dt="2025-08-26T02:30:50.617" v="518" actId="207"/>
+          <ac:spMkLst>
+            <pc:docMk/>
+            <pc:sldMk cId="2123302832" sldId="259"/>
+            <ac:spMk id="6" creationId="{1CB7CFA1-340F-C00F-A825-FCB5E58D3B24}"/>
+          </ac:spMkLst>
+        </pc:spChg>
+        <pc:picChg chg="add mod">
+          <ac:chgData name="Daniel Lazo" userId="46001224-d0a7-4699-b4dd-f7a2303d0155" providerId="ADAL" clId="{72089203-F127-414F-A7F4-26F57999BB62}" dt="2025-08-26T02:29:44.467" v="508" actId="1076"/>
+          <ac:picMkLst>
+            <pc:docMk/>
+            <pc:sldMk cId="2123302832" sldId="259"/>
+            <ac:picMk id="5" creationId="{A9437422-E67E-A7F7-1270-E76D2404D3A4}"/>
+          </ac:picMkLst>
+        </pc:picChg>
+        <pc:picChg chg="add del mod">
+          <ac:chgData name="Daniel Lazo" userId="46001224-d0a7-4699-b4dd-f7a2303d0155" providerId="ADAL" clId="{72089203-F127-414F-A7F4-26F57999BB62}" dt="2025-08-26T02:28:49.543" v="464" actId="478"/>
+          <ac:picMkLst>
+            <pc:docMk/>
+            <pc:sldMk cId="2123302832" sldId="259"/>
+            <ac:picMk id="5122" creationId="{1F74E4E5-218E-8207-3D38-8538B6CC12C6}"/>
+          </ac:picMkLst>
+        </pc:picChg>
+      </pc:sldChg>
+      <pc:sldChg chg="addSp delSp modSp mod setBg">
+        <pc:chgData name="Daniel Lazo" userId="46001224-d0a7-4699-b4dd-f7a2303d0155" providerId="ADAL" clId="{72089203-F127-414F-A7F4-26F57999BB62}" dt="2025-08-26T02:27:36.473" v="463" actId="1035"/>
+        <pc:sldMkLst>
+          <pc:docMk/>
+          <pc:sldMk cId="2663488629" sldId="260"/>
+        </pc:sldMkLst>
+        <pc:spChg chg="del">
+          <ac:chgData name="Daniel Lazo" userId="46001224-d0a7-4699-b4dd-f7a2303d0155" providerId="ADAL" clId="{72089203-F127-414F-A7F4-26F57999BB62}" dt="2025-08-26T02:17:49.624" v="206" actId="478"/>
+          <ac:spMkLst>
+            <pc:docMk/>
+            <pc:sldMk cId="2663488629" sldId="260"/>
+            <ac:spMk id="2" creationId="{A3962216-1E15-D5E8-D2C8-011C09CE938D}"/>
+          </ac:spMkLst>
+        </pc:spChg>
+        <pc:spChg chg="del">
+          <ac:chgData name="Daniel Lazo" userId="46001224-d0a7-4699-b4dd-f7a2303d0155" providerId="ADAL" clId="{72089203-F127-414F-A7F4-26F57999BB62}" dt="2025-08-26T02:17:49.624" v="206" actId="478"/>
+          <ac:spMkLst>
+            <pc:docMk/>
+            <pc:sldMk cId="2663488629" sldId="260"/>
+            <ac:spMk id="3" creationId="{7A6DD9A5-ECBC-79B7-5E1A-61D5035CFD57}"/>
+          </ac:spMkLst>
+        </pc:spChg>
+        <pc:spChg chg="add">
+          <ac:chgData name="Daniel Lazo" userId="46001224-d0a7-4699-b4dd-f7a2303d0155" providerId="ADAL" clId="{72089203-F127-414F-A7F4-26F57999BB62}" dt="2025-08-26T02:19:46.836" v="212"/>
+          <ac:spMkLst>
+            <pc:docMk/>
+            <pc:sldMk cId="2663488629" sldId="260"/>
+            <ac:spMk id="4" creationId="{42A7971C-12E3-627B-1F65-0BE07FB873FB}"/>
+          </ac:spMkLst>
+        </pc:spChg>
+        <pc:spChg chg="add mod ord">
+          <ac:chgData name="Daniel Lazo" userId="46001224-d0a7-4699-b4dd-f7a2303d0155" providerId="ADAL" clId="{72089203-F127-414F-A7F4-26F57999BB62}" dt="2025-08-26T02:27:22.107" v="436" actId="1037"/>
+          <ac:spMkLst>
+            <pc:docMk/>
+            <pc:sldMk cId="2663488629" sldId="260"/>
+            <ac:spMk id="6" creationId="{0416A8AE-1E93-4D96-5E9F-EDC637440931}"/>
+          </ac:spMkLst>
+        </pc:spChg>
+        <pc:spChg chg="add mod">
+          <ac:chgData name="Daniel Lazo" userId="46001224-d0a7-4699-b4dd-f7a2303d0155" providerId="ADAL" clId="{72089203-F127-414F-A7F4-26F57999BB62}" dt="2025-08-26T02:27:11.145" v="423" actId="2085"/>
+          <ac:spMkLst>
+            <pc:docMk/>
+            <pc:sldMk cId="2663488629" sldId="260"/>
+            <ac:spMk id="7" creationId="{590E46AD-0D61-6056-E328-560B54746DA4}"/>
+          </ac:spMkLst>
+        </pc:spChg>
+        <pc:picChg chg="add mod modCrop">
+          <ac:chgData name="Daniel Lazo" userId="46001224-d0a7-4699-b4dd-f7a2303d0155" providerId="ADAL" clId="{72089203-F127-414F-A7F4-26F57999BB62}" dt="2025-08-26T02:27:36.473" v="463" actId="1035"/>
+          <ac:picMkLst>
+            <pc:docMk/>
+            <pc:sldMk cId="2663488629" sldId="260"/>
+            <ac:picMk id="5" creationId="{695A2962-A96E-D34F-347E-81D50E1E35C0}"/>
+          </ac:picMkLst>
+        </pc:picChg>
+        <pc:picChg chg="add del mod">
+          <ac:chgData name="Daniel Lazo" userId="46001224-d0a7-4699-b4dd-f7a2303d0155" providerId="ADAL" clId="{72089203-F127-414F-A7F4-26F57999BB62}" dt="2025-08-26T02:19:45.664" v="211" actId="478"/>
+          <ac:picMkLst>
+            <pc:docMk/>
+            <pc:sldMk cId="2663488629" sldId="260"/>
+            <ac:picMk id="4098" creationId="{8A4BF319-D596-459E-93EE-3CA639C32854}"/>
+          </ac:picMkLst>
+        </pc:picChg>
+        <pc:picChg chg="add mod">
+          <ac:chgData name="Daniel Lazo" userId="46001224-d0a7-4699-b4dd-f7a2303d0155" providerId="ADAL" clId="{72089203-F127-414F-A7F4-26F57999BB62}" dt="2025-08-26T02:26:53.717" v="419" actId="1037"/>
+          <ac:picMkLst>
+            <pc:docMk/>
+            <pc:sldMk cId="2663488629" sldId="260"/>
+            <ac:picMk id="4102" creationId="{5EF5DD44-B8F7-9DEB-E876-896268AEF04D}"/>
+          </ac:picMkLst>
+        </pc:picChg>
+      </pc:sldChg>
+      <pc:sldChg chg="addSp delSp modSp mod setBg">
+        <pc:chgData name="Daniel Lazo" userId="46001224-d0a7-4699-b4dd-f7a2303d0155" providerId="ADAL" clId="{72089203-F127-414F-A7F4-26F57999BB62}" dt="2025-08-26T02:38:42.777" v="528"/>
+        <pc:sldMkLst>
+          <pc:docMk/>
+          <pc:sldMk cId="362822160" sldId="261"/>
+        </pc:sldMkLst>
+        <pc:spChg chg="del">
+          <ac:chgData name="Daniel Lazo" userId="46001224-d0a7-4699-b4dd-f7a2303d0155" providerId="ADAL" clId="{72089203-F127-414F-A7F4-26F57999BB62}" dt="2025-08-26T02:31:23.844" v="523" actId="478"/>
+          <ac:spMkLst>
+            <pc:docMk/>
+            <pc:sldMk cId="362822160" sldId="261"/>
+            <ac:spMk id="2" creationId="{F1A52B25-7338-1C89-0AF8-2C628C873AD5}"/>
+          </ac:spMkLst>
+        </pc:spChg>
+        <pc:spChg chg="del">
+          <ac:chgData name="Daniel Lazo" userId="46001224-d0a7-4699-b4dd-f7a2303d0155" providerId="ADAL" clId="{72089203-F127-414F-A7F4-26F57999BB62}" dt="2025-08-26T02:31:23.844" v="523" actId="478"/>
+          <ac:spMkLst>
+            <pc:docMk/>
+            <pc:sldMk cId="362822160" sldId="261"/>
+            <ac:spMk id="3" creationId="{2AF4479F-4D5E-B0CA-D1F5-A029490A7839}"/>
+          </ac:spMkLst>
+        </pc:spChg>
+        <pc:picChg chg="add mod">
+          <ac:chgData name="Daniel Lazo" userId="46001224-d0a7-4699-b4dd-f7a2303d0155" providerId="ADAL" clId="{72089203-F127-414F-A7F4-26F57999BB62}" dt="2025-08-26T02:38:34.745" v="527" actId="12789"/>
+          <ac:picMkLst>
+            <pc:docMk/>
+            <pc:sldMk cId="362822160" sldId="261"/>
+            <ac:picMk id="5" creationId="{ED4DDD16-51A0-0D49-0563-51E34DC7B5A7}"/>
           </ac:picMkLst>
         </pc:picChg>
       </pc:sldChg>
@@ -422,7 +608,7 @@
           <a:p>
             <a:fld id="{880F7BA6-BAC4-47E2-B6C8-F3CE4DB7C8BD}" type="datetimeFigureOut">
               <a:rPr lang="en-US" smtClean="0"/>
-              <a:t>8/24/2025</a:t>
+              <a:t>8/25/2025</a:t>
             </a:fld>
             <a:endParaRPr lang="en-US"/>
           </a:p>
@@ -592,7 +778,7 @@
           <a:p>
             <a:fld id="{880F7BA6-BAC4-47E2-B6C8-F3CE4DB7C8BD}" type="datetimeFigureOut">
               <a:rPr lang="en-US" smtClean="0"/>
-              <a:t>8/24/2025</a:t>
+              <a:t>8/25/2025</a:t>
             </a:fld>
             <a:endParaRPr lang="en-US"/>
           </a:p>
@@ -772,7 +958,7 @@
           <a:p>
             <a:fld id="{880F7BA6-BAC4-47E2-B6C8-F3CE4DB7C8BD}" type="datetimeFigureOut">
               <a:rPr lang="en-US" smtClean="0"/>
-              <a:t>8/24/2025</a:t>
+              <a:t>8/25/2025</a:t>
             </a:fld>
             <a:endParaRPr lang="en-US"/>
           </a:p>
@@ -942,7 +1128,7 @@
           <a:p>
             <a:fld id="{880F7BA6-BAC4-47E2-B6C8-F3CE4DB7C8BD}" type="datetimeFigureOut">
               <a:rPr lang="en-US" smtClean="0"/>
-              <a:t>8/24/2025</a:t>
+              <a:t>8/25/2025</a:t>
             </a:fld>
             <a:endParaRPr lang="en-US"/>
           </a:p>
@@ -1188,7 +1374,7 @@
           <a:p>
             <a:fld id="{880F7BA6-BAC4-47E2-B6C8-F3CE4DB7C8BD}" type="datetimeFigureOut">
               <a:rPr lang="en-US" smtClean="0"/>
-              <a:t>8/24/2025</a:t>
+              <a:t>8/25/2025</a:t>
             </a:fld>
             <a:endParaRPr lang="en-US"/>
           </a:p>
@@ -1420,7 +1606,7 @@
           <a:p>
             <a:fld id="{880F7BA6-BAC4-47E2-B6C8-F3CE4DB7C8BD}" type="datetimeFigureOut">
               <a:rPr lang="en-US" smtClean="0"/>
-              <a:t>8/24/2025</a:t>
+              <a:t>8/25/2025</a:t>
             </a:fld>
             <a:endParaRPr lang="en-US"/>
           </a:p>
@@ -1787,7 +1973,7 @@
           <a:p>
             <a:fld id="{880F7BA6-BAC4-47E2-B6C8-F3CE4DB7C8BD}" type="datetimeFigureOut">
               <a:rPr lang="en-US" smtClean="0"/>
-              <a:t>8/24/2025</a:t>
+              <a:t>8/25/2025</a:t>
             </a:fld>
             <a:endParaRPr lang="en-US"/>
           </a:p>
@@ -1905,7 +2091,7 @@
           <a:p>
             <a:fld id="{880F7BA6-BAC4-47E2-B6C8-F3CE4DB7C8BD}" type="datetimeFigureOut">
               <a:rPr lang="en-US" smtClean="0"/>
-              <a:t>8/24/2025</a:t>
+              <a:t>8/25/2025</a:t>
             </a:fld>
             <a:endParaRPr lang="en-US"/>
           </a:p>
@@ -2000,7 +2186,7 @@
           <a:p>
             <a:fld id="{880F7BA6-BAC4-47E2-B6C8-F3CE4DB7C8BD}" type="datetimeFigureOut">
               <a:rPr lang="en-US" smtClean="0"/>
-              <a:t>8/24/2025</a:t>
+              <a:t>8/25/2025</a:t>
             </a:fld>
             <a:endParaRPr lang="en-US"/>
           </a:p>
@@ -2277,7 +2463,7 @@
           <a:p>
             <a:fld id="{880F7BA6-BAC4-47E2-B6C8-F3CE4DB7C8BD}" type="datetimeFigureOut">
               <a:rPr lang="en-US" smtClean="0"/>
-              <a:t>8/24/2025</a:t>
+              <a:t>8/25/2025</a:t>
             </a:fld>
             <a:endParaRPr lang="en-US"/>
           </a:p>
@@ -2534,7 +2720,7 @@
           <a:p>
             <a:fld id="{880F7BA6-BAC4-47E2-B6C8-F3CE4DB7C8BD}" type="datetimeFigureOut">
               <a:rPr lang="en-US" smtClean="0"/>
-              <a:t>8/24/2025</a:t>
+              <a:t>8/25/2025</a:t>
             </a:fld>
             <a:endParaRPr lang="en-US"/>
           </a:p>
@@ -2747,7 +2933,7 @@
           <a:p>
             <a:fld id="{880F7BA6-BAC4-47E2-B6C8-F3CE4DB7C8BD}" type="datetimeFigureOut">
               <a:rPr lang="en-US" smtClean="0"/>
-              <a:t>8/24/2025</a:t>
+              <a:t>8/25/2025</a:t>
             </a:fld>
             <a:endParaRPr lang="en-US"/>
           </a:p>
@@ -3141,6 +3327,74 @@
     <p:bg>
       <p:bgPr>
         <a:solidFill>
+          <a:srgbClr val="ED1C24"/>
+        </a:solidFill>
+        <a:effectLst/>
+      </p:bgPr>
+    </p:bg>
+    <p:spTree>
+      <p:nvGrpSpPr>
+        <p:cNvPr id="1" name=""/>
+        <p:cNvGrpSpPr/>
+        <p:nvPr/>
+      </p:nvGrpSpPr>
+      <p:grpSpPr>
+        <a:xfrm>
+          <a:off x="0" y="0"/>
+          <a:ext cx="0" cy="0"/>
+          <a:chOff x="0" y="0"/>
+          <a:chExt cx="0" cy="0"/>
+        </a:xfrm>
+      </p:grpSpPr>
+      <p:pic>
+        <p:nvPicPr>
+          <p:cNvPr id="9" name="Picture 8">
+            <a:extLst>
+              <a:ext uri="{FF2B5EF4-FFF2-40B4-BE49-F238E27FC236}">
+                <a16:creationId xmlns:a16="http://schemas.microsoft.com/office/drawing/2014/main" id="{51602A4C-B2B5-7D80-11CF-01DDA1F22029}"/>
+              </a:ext>
+            </a:extLst>
+          </p:cNvPr>
+          <p:cNvPicPr>
+            <a:picLocks noChangeAspect="1"/>
+          </p:cNvPicPr>
+          <p:nvPr/>
+        </p:nvPicPr>
+        <p:blipFill>
+          <a:blip r:embed="rId2"/>
+          <a:stretch>
+            <a:fillRect/>
+          </a:stretch>
+        </p:blipFill>
+        <p:spPr>
+          <a:xfrm>
+            <a:off x="2204909" y="3143250"/>
+            <a:ext cx="7020182" cy="2286000"/>
+          </a:xfrm>
+          <a:prstGeom prst="rect">
+            <a:avLst/>
+          </a:prstGeom>
+        </p:spPr>
+      </p:pic>
+    </p:spTree>
+    <p:extLst>
+      <p:ext uri="{BB962C8B-B14F-4D97-AF65-F5344CB8AC3E}">
+        <p14:creationId xmlns:p14="http://schemas.microsoft.com/office/powerpoint/2010/main" val="3427763724"/>
+      </p:ext>
+    </p:extLst>
+  </p:cSld>
+  <p:clrMapOvr>
+    <a:masterClrMapping/>
+  </p:clrMapOvr>
+</p:sld>
+</file>
+
+<file path=ppt/slides/slide2.xml><?xml version="1.0" encoding="utf-8"?>
+<p:sld xmlns:a="http://schemas.openxmlformats.org/drawingml/2006/main" xmlns:r="http://schemas.openxmlformats.org/officeDocument/2006/relationships" xmlns:p="http://schemas.openxmlformats.org/presentationml/2006/main">
+  <p:cSld>
+    <p:bg>
+      <p:bgPr>
+        <a:solidFill>
           <a:srgbClr val="153555"/>
         </a:solidFill>
         <a:effectLst/>
@@ -3211,91 +3465,6 @@
     <p:extLst>
       <p:ext uri="{BB962C8B-B14F-4D97-AF65-F5344CB8AC3E}">
         <p14:creationId xmlns:p14="http://schemas.microsoft.com/office/powerpoint/2010/main" val="3957694729"/>
-      </p:ext>
-    </p:extLst>
-  </p:cSld>
-  <p:clrMapOvr>
-    <a:masterClrMapping/>
-  </p:clrMapOvr>
-</p:sld>
-</file>
-
-<file path=ppt/slides/slide2.xml><?xml version="1.0" encoding="utf-8"?>
-<p:sld xmlns:a="http://schemas.openxmlformats.org/drawingml/2006/main" xmlns:r="http://schemas.openxmlformats.org/officeDocument/2006/relationships" xmlns:p="http://schemas.openxmlformats.org/presentationml/2006/main">
-  <p:cSld>
-    <p:bg>
-      <p:bgPr>
-        <a:solidFill>
-          <a:srgbClr val="C00000"/>
-        </a:solidFill>
-        <a:effectLst/>
-      </p:bgPr>
-    </p:bg>
-    <p:spTree>
-      <p:nvGrpSpPr>
-        <p:cNvPr id="1" name=""/>
-        <p:cNvGrpSpPr/>
-        <p:nvPr/>
-      </p:nvGrpSpPr>
-      <p:grpSpPr>
-        <a:xfrm>
-          <a:off x="0" y="0"/>
-          <a:ext cx="0" cy="0"/>
-          <a:chOff x="0" y="0"/>
-          <a:chExt cx="0" cy="0"/>
-        </a:xfrm>
-      </p:grpSpPr>
-      <p:pic>
-        <p:nvPicPr>
-          <p:cNvPr id="2060" name="Picture 12" descr="Oracle white logo transparent PNG - StickPNG">
-            <a:extLst>
-              <a:ext uri="{FF2B5EF4-FFF2-40B4-BE49-F238E27FC236}">
-                <a16:creationId xmlns:a16="http://schemas.microsoft.com/office/drawing/2014/main" id="{65CC0EB3-C5CC-4CFA-D66D-3AD9DFABDF6D}"/>
-              </a:ext>
-            </a:extLst>
-          </p:cNvPr>
-          <p:cNvPicPr>
-            <a:picLocks noChangeAspect="1" noChangeArrowheads="1"/>
-          </p:cNvPicPr>
-          <p:nvPr/>
-        </p:nvPicPr>
-        <p:blipFill>
-          <a:blip r:embed="rId2">
-            <a:extLst>
-              <a:ext uri="{28A0092B-C50C-407E-A947-70E740481C1C}">
-                <a14:useLocalDpi xmlns:a14="http://schemas.microsoft.com/office/drawing/2010/main" val="0"/>
-              </a:ext>
-            </a:extLst>
-          </a:blip>
-          <a:srcRect/>
-          <a:stretch>
-            <a:fillRect/>
-          </a:stretch>
-        </p:blipFill>
-        <p:spPr bwMode="auto">
-          <a:xfrm>
-            <a:off x="2973705" y="3852862"/>
-            <a:ext cx="5276850" cy="866775"/>
-          </a:xfrm>
-          <a:prstGeom prst="rect">
-            <a:avLst/>
-          </a:prstGeom>
-          <a:noFill/>
-          <a:extLst>
-            <a:ext uri="{909E8E84-426E-40DD-AFC4-6F175D3DCCD1}">
-              <a14:hiddenFill xmlns:a14="http://schemas.microsoft.com/office/drawing/2010/main">
-                <a:solidFill>
-                  <a:srgbClr val="FFFFFF"/>
-                </a:solidFill>
-              </a14:hiddenFill>
-            </a:ext>
-          </a:extLst>
-        </p:spPr>
-      </p:pic>
-    </p:spTree>
-    <p:extLst>
-      <p:ext uri="{BB962C8B-B14F-4D97-AF65-F5344CB8AC3E}">
-        <p14:creationId xmlns:p14="http://schemas.microsoft.com/office/powerpoint/2010/main" val="3427763724"/>
       </p:ext>
     </p:extLst>
   </p:cSld>
@@ -3601,6 +3770,14 @@
 <file path=ppt/slides/slide4.xml><?xml version="1.0" encoding="utf-8"?>
 <p:sld xmlns:a="http://schemas.openxmlformats.org/drawingml/2006/main" xmlns:r="http://schemas.openxmlformats.org/officeDocument/2006/relationships" xmlns:p="http://schemas.openxmlformats.org/presentationml/2006/main">
   <p:cSld>
+    <p:bg>
+      <p:bgPr>
+        <a:solidFill>
+          <a:srgbClr val="011C3A"/>
+        </a:solidFill>
+        <a:effectLst/>
+      </p:bgPr>
+    </p:bg>
     <p:spTree>
       <p:nvGrpSpPr>
         <p:cNvPr id="1" name=""/>
@@ -3615,53 +3792,101 @@
           <a:chExt cx="0" cy="0"/>
         </a:xfrm>
       </p:grpSpPr>
-      <p:sp>
-        <p:nvSpPr>
-          <p:cNvPr id="2" name="Title 1">
+      <p:pic>
+        <p:nvPicPr>
+          <p:cNvPr id="5" name="Picture 4">
             <a:extLst>
               <a:ext uri="{FF2B5EF4-FFF2-40B4-BE49-F238E27FC236}">
-                <a16:creationId xmlns:a16="http://schemas.microsoft.com/office/drawing/2014/main" id="{1FE43E3A-C494-23F5-4582-938902F65F6C}"/>
+                <a16:creationId xmlns:a16="http://schemas.microsoft.com/office/drawing/2014/main" id="{A9437422-E67E-A7F7-1270-E76D2404D3A4}"/>
               </a:ext>
             </a:extLst>
           </p:cNvPr>
-          <p:cNvSpPr>
-            <a:spLocks noGrp="1"/>
-          </p:cNvSpPr>
-          <p:nvPr>
-            <p:ph type="title"/>
-          </p:nvPr>
-        </p:nvSpPr>
-        <p:spPr/>
-        <p:txBody>
-          <a:bodyPr/>
-          <a:lstStyle/>
-          <a:p>
-            <a:endParaRPr lang="en-US"/>
-          </a:p>
-        </p:txBody>
-      </p:sp>
-      <p:sp>
-        <p:nvSpPr>
-          <p:cNvPr id="3" name="Content Placeholder 2">
+          <p:cNvPicPr>
+            <a:picLocks noChangeAspect="1"/>
+          </p:cNvPicPr>
+          <p:nvPr/>
+        </p:nvPicPr>
+        <p:blipFill>
+          <a:blip r:embed="rId2"/>
+          <a:stretch>
+            <a:fillRect/>
+          </a:stretch>
+        </p:blipFill>
+        <p:spPr>
+          <a:xfrm>
+            <a:off x="4575810" y="2453640"/>
+            <a:ext cx="2278380" cy="2278380"/>
+          </a:xfrm>
+          <a:prstGeom prst="rect">
+            <a:avLst/>
+          </a:prstGeom>
+        </p:spPr>
+      </p:pic>
+      <p:sp>
+        <p:nvSpPr>
+          <p:cNvPr id="6" name="TextBox 5">
             <a:extLst>
               <a:ext uri="{FF2B5EF4-FFF2-40B4-BE49-F238E27FC236}">
-                <a16:creationId xmlns:a16="http://schemas.microsoft.com/office/drawing/2014/main" id="{41D4CC3E-1C2C-1FE6-33E6-DC760C8C3D20}"/>
+                <a16:creationId xmlns:a16="http://schemas.microsoft.com/office/drawing/2014/main" id="{1CB7CFA1-340F-C00F-A825-FCB5E58D3B24}"/>
               </a:ext>
             </a:extLst>
           </p:cNvPr>
-          <p:cNvSpPr>
-            <a:spLocks noGrp="1"/>
-          </p:cNvSpPr>
-          <p:nvPr>
-            <p:ph idx="1"/>
-          </p:nvPr>
-        </p:nvSpPr>
-        <p:spPr/>
-        <p:txBody>
-          <a:bodyPr/>
-          <a:lstStyle/>
-          <a:p>
-            <a:endParaRPr lang="en-US"/>
+          <p:cNvSpPr txBox="1"/>
+          <p:nvPr/>
+        </p:nvSpPr>
+        <p:spPr>
+          <a:xfrm>
+            <a:off x="520066" y="4955709"/>
+            <a:ext cx="10389869" cy="707886"/>
+          </a:xfrm>
+          <a:prstGeom prst="rect">
+            <a:avLst/>
+          </a:prstGeom>
+          <a:noFill/>
+        </p:spPr>
+        <p:txBody>
+          <a:bodyPr wrap="square" rtlCol="0">
+            <a:spAutoFit/>
+          </a:bodyPr>
+          <a:lstStyle/>
+          <a:p>
+            <a:pPr algn="ctr"/>
+            <a:r>
+              <a:rPr lang="en-US" sz="4000" dirty="0">
+                <a:gradFill>
+                  <a:gsLst>
+                    <a:gs pos="0">
+                      <a:schemeClr val="accent1">
+                        <a:lumMod val="5000"/>
+                        <a:lumOff val="95000"/>
+                      </a:schemeClr>
+                    </a:gs>
+                    <a:gs pos="74000">
+                      <a:schemeClr val="accent1">
+                        <a:lumMod val="45000"/>
+                        <a:lumOff val="55000"/>
+                      </a:schemeClr>
+                    </a:gs>
+                    <a:gs pos="83000">
+                      <a:schemeClr val="accent1">
+                        <a:lumMod val="45000"/>
+                        <a:lumOff val="55000"/>
+                      </a:schemeClr>
+                    </a:gs>
+                    <a:gs pos="100000">
+                      <a:schemeClr val="accent1">
+                        <a:lumMod val="30000"/>
+                        <a:lumOff val="70000"/>
+                      </a:schemeClr>
+                    </a:gs>
+                  </a:gsLst>
+                  <a:lin ang="5400000" scaled="1"/>
+                </a:gradFill>
+                <a:latin typeface="Arial" panose="020B0604020202020204" pitchFamily="34" charset="0"/>
+                <a:cs typeface="Arial" panose="020B0604020202020204" pitchFamily="34" charset="0"/>
+              </a:rPr>
+              <a:t>Microsoft CoPilot Studio</a:t>
+            </a:r>
           </a:p>
         </p:txBody>
       </p:sp>
@@ -3681,6 +3906,14 @@
 <file path=ppt/slides/slide5.xml><?xml version="1.0" encoding="utf-8"?>
 <p:sld xmlns:a="http://schemas.openxmlformats.org/drawingml/2006/main" xmlns:r="http://schemas.openxmlformats.org/officeDocument/2006/relationships" xmlns:p="http://schemas.openxmlformats.org/presentationml/2006/main">
   <p:cSld>
+    <p:bg>
+      <p:bgPr>
+        <a:solidFill>
+          <a:srgbClr val="0070C0"/>
+        </a:solidFill>
+        <a:effectLst/>
+      </p:bgPr>
+    </p:bg>
     <p:spTree>
       <p:nvGrpSpPr>
         <p:cNvPr id="1" name=""/>
@@ -3695,53 +3928,174 @@
           <a:chExt cx="0" cy="0"/>
         </a:xfrm>
       </p:grpSpPr>
-      <p:sp>
-        <p:nvSpPr>
-          <p:cNvPr id="2" name="Title 1">
+      <p:pic>
+        <p:nvPicPr>
+          <p:cNvPr id="5" name="Picture 4">
             <a:extLst>
               <a:ext uri="{FF2B5EF4-FFF2-40B4-BE49-F238E27FC236}">
-                <a16:creationId xmlns:a16="http://schemas.microsoft.com/office/drawing/2014/main" id="{A3962216-1E15-D5E8-D2C8-011C09CE938D}"/>
+                <a16:creationId xmlns:a16="http://schemas.microsoft.com/office/drawing/2014/main" id="{695A2962-A96E-D34F-347E-81D50E1E35C0}"/>
               </a:ext>
             </a:extLst>
           </p:cNvPr>
-          <p:cNvSpPr>
-            <a:spLocks noGrp="1"/>
-          </p:cNvSpPr>
-          <p:nvPr>
-            <p:ph type="title"/>
-          </p:nvPr>
-        </p:nvSpPr>
-        <p:spPr/>
-        <p:txBody>
-          <a:bodyPr/>
-          <a:lstStyle/>
-          <a:p>
-            <a:endParaRPr lang="en-US"/>
-          </a:p>
-        </p:txBody>
-      </p:sp>
-      <p:sp>
-        <p:nvSpPr>
-          <p:cNvPr id="3" name="Content Placeholder 2">
+          <p:cNvPicPr>
+            <a:picLocks noChangeAspect="1"/>
+          </p:cNvPicPr>
+          <p:nvPr/>
+        </p:nvPicPr>
+        <p:blipFill>
+          <a:blip r:embed="rId2"/>
+          <a:srcRect l="68000" t="32750" b="34625"/>
+          <a:stretch>
+            <a:fillRect/>
+          </a:stretch>
+        </p:blipFill>
+        <p:spPr>
+          <a:xfrm>
+            <a:off x="6800851" y="3778419"/>
+            <a:ext cx="996205" cy="1015663"/>
+          </a:xfrm>
+          <a:prstGeom prst="rect">
+            <a:avLst/>
+          </a:prstGeom>
+        </p:spPr>
+      </p:pic>
+      <p:pic>
+        <p:nvPicPr>
+          <p:cNvPr id="4102" name="Picture 6">
             <a:extLst>
               <a:ext uri="{FF2B5EF4-FFF2-40B4-BE49-F238E27FC236}">
-                <a16:creationId xmlns:a16="http://schemas.microsoft.com/office/drawing/2014/main" id="{7A6DD9A5-ECBC-79B7-5E1A-61D5035CFD57}"/>
+                <a16:creationId xmlns:a16="http://schemas.microsoft.com/office/drawing/2014/main" id="{5EF5DD44-B8F7-9DEB-E876-896268AEF04D}"/>
               </a:ext>
             </a:extLst>
           </p:cNvPr>
-          <p:cNvSpPr>
-            <a:spLocks noGrp="1"/>
-          </p:cNvSpPr>
-          <p:nvPr>
-            <p:ph idx="1"/>
-          </p:nvPr>
-        </p:nvSpPr>
-        <p:spPr/>
-        <p:txBody>
-          <a:bodyPr/>
-          <a:lstStyle/>
-          <a:p>
+          <p:cNvPicPr>
+            <a:picLocks noChangeAspect="1" noChangeArrowheads="1"/>
+          </p:cNvPicPr>
+          <p:nvPr/>
+        </p:nvPicPr>
+        <p:blipFill rotWithShape="1">
+          <a:blip r:embed="rId3">
+            <a:extLst>
+              <a:ext uri="{28A0092B-C50C-407E-A947-70E740481C1C}">
+                <a14:useLocalDpi xmlns:a14="http://schemas.microsoft.com/office/drawing/2010/main" val="0"/>
+              </a:ext>
+            </a:extLst>
+          </a:blip>
+          <a:srcRect r="52500" b="25636"/>
+          <a:stretch>
+            <a:fillRect/>
+          </a:stretch>
+        </p:blipFill>
+        <p:spPr bwMode="auto">
+          <a:xfrm>
+            <a:off x="3459562" y="4011223"/>
+            <a:ext cx="1432478" cy="616720"/>
+          </a:xfrm>
+          <a:prstGeom prst="rect">
+            <a:avLst/>
+          </a:prstGeom>
+          <a:noFill/>
+          <a:extLst>
+            <a:ext uri="{909E8E84-426E-40DD-AFC4-6F175D3DCCD1}">
+              <a14:hiddenFill xmlns:a14="http://schemas.microsoft.com/office/drawing/2010/main">
+                <a:solidFill>
+                  <a:srgbClr val="FFFFFF"/>
+                </a:solidFill>
+              </a14:hiddenFill>
+            </a:ext>
+          </a:extLst>
+        </p:spPr>
+      </p:pic>
+      <p:sp>
+        <p:nvSpPr>
+          <p:cNvPr id="7" name="Rectangle 6">
+            <a:extLst>
+              <a:ext uri="{FF2B5EF4-FFF2-40B4-BE49-F238E27FC236}">
+                <a16:creationId xmlns:a16="http://schemas.microsoft.com/office/drawing/2014/main" id="{590E46AD-0D61-6056-E328-560B54746DA4}"/>
+              </a:ext>
+            </a:extLst>
+          </p:cNvPr>
+          <p:cNvSpPr/>
+          <p:nvPr/>
+        </p:nvSpPr>
+        <p:spPr>
+          <a:xfrm>
+            <a:off x="4720590" y="4183380"/>
+            <a:ext cx="171450" cy="444563"/>
+          </a:xfrm>
+          <a:prstGeom prst="rect">
+            <a:avLst/>
+          </a:prstGeom>
+          <a:solidFill>
+            <a:srgbClr val="0070C0"/>
+          </a:solidFill>
+          <a:ln>
+            <a:noFill/>
+          </a:ln>
+        </p:spPr>
+        <p:style>
+          <a:lnRef idx="2">
+            <a:schemeClr val="accent1">
+              <a:shade val="15000"/>
+            </a:schemeClr>
+          </a:lnRef>
+          <a:fillRef idx="1">
+            <a:schemeClr val="accent1"/>
+          </a:fillRef>
+          <a:effectRef idx="0">
+            <a:schemeClr val="accent1"/>
+          </a:effectRef>
+          <a:fontRef idx="minor">
+            <a:schemeClr val="lt1"/>
+          </a:fontRef>
+        </p:style>
+        <p:txBody>
+          <a:bodyPr rtlCol="0" anchor="ctr"/>
+          <a:lstStyle/>
+          <a:p>
+            <a:pPr algn="ctr"/>
             <a:endParaRPr lang="en-US"/>
+          </a:p>
+        </p:txBody>
+      </p:sp>
+      <p:sp>
+        <p:nvSpPr>
+          <p:cNvPr id="6" name="TextBox 5">
+            <a:extLst>
+              <a:ext uri="{FF2B5EF4-FFF2-40B4-BE49-F238E27FC236}">
+                <a16:creationId xmlns:a16="http://schemas.microsoft.com/office/drawing/2014/main" id="{0416A8AE-1E93-4D96-5E9F-EDC637440931}"/>
+              </a:ext>
+            </a:extLst>
+          </p:cNvPr>
+          <p:cNvSpPr txBox="1"/>
+          <p:nvPr/>
+        </p:nvSpPr>
+        <p:spPr>
+          <a:xfrm>
+            <a:off x="4703445" y="3778419"/>
+            <a:ext cx="2257425" cy="1015663"/>
+          </a:xfrm>
+          <a:prstGeom prst="rect">
+            <a:avLst/>
+          </a:prstGeom>
+          <a:noFill/>
+        </p:spPr>
+        <p:txBody>
+          <a:bodyPr wrap="square" rtlCol="0">
+            <a:spAutoFit/>
+          </a:bodyPr>
+          <a:lstStyle/>
+          <a:p>
+            <a:r>
+              <a:rPr lang="en-US" sz="6000" b="1" dirty="0">
+                <a:solidFill>
+                  <a:schemeClr val="bg1"/>
+                </a:solidFill>
+                <a:latin typeface="Arial" panose="020B0604020202020204" pitchFamily="34" charset="0"/>
+                <a:cs typeface="Arial" panose="020B0604020202020204" pitchFamily="34" charset="0"/>
+              </a:rPr>
+              <a:t>Ariba</a:t>
+            </a:r>
           </a:p>
         </p:txBody>
       </p:sp>
@@ -3761,6 +4115,14 @@
 <file path=ppt/slides/slide6.xml><?xml version="1.0" encoding="utf-8"?>
 <p:sld xmlns:a="http://schemas.openxmlformats.org/drawingml/2006/main" xmlns:r="http://schemas.openxmlformats.org/officeDocument/2006/relationships" xmlns:p="http://schemas.openxmlformats.org/presentationml/2006/main">
   <p:cSld>
+    <p:bg>
+      <p:bgPr>
+        <a:solidFill>
+          <a:srgbClr val="022D41"/>
+        </a:solidFill>
+        <a:effectLst/>
+      </p:bgPr>
+    </p:bg>
     <p:spTree>
       <p:nvGrpSpPr>
         <p:cNvPr id="1" name=""/>
@@ -3775,56 +4137,36 @@
           <a:chExt cx="0" cy="0"/>
         </a:xfrm>
       </p:grpSpPr>
-      <p:sp>
-        <p:nvSpPr>
-          <p:cNvPr id="2" name="Title 1">
+      <p:pic>
+        <p:nvPicPr>
+          <p:cNvPr id="5" name="Picture 4">
             <a:extLst>
               <a:ext uri="{FF2B5EF4-FFF2-40B4-BE49-F238E27FC236}">
-                <a16:creationId xmlns:a16="http://schemas.microsoft.com/office/drawing/2014/main" id="{F1A52B25-7338-1C89-0AF8-2C628C873AD5}"/>
+                <a16:creationId xmlns:a16="http://schemas.microsoft.com/office/drawing/2014/main" id="{ED4DDD16-51A0-0D49-0563-51E34DC7B5A7}"/>
               </a:ext>
             </a:extLst>
           </p:cNvPr>
-          <p:cNvSpPr>
-            <a:spLocks noGrp="1"/>
-          </p:cNvSpPr>
-          <p:nvPr>
-            <p:ph type="title"/>
-          </p:nvPr>
-        </p:nvSpPr>
-        <p:spPr/>
-        <p:txBody>
-          <a:bodyPr/>
-          <a:lstStyle/>
-          <a:p>
-            <a:endParaRPr lang="en-US"/>
-          </a:p>
-        </p:txBody>
-      </p:sp>
-      <p:sp>
-        <p:nvSpPr>
-          <p:cNvPr id="3" name="Content Placeholder 2">
-            <a:extLst>
-              <a:ext uri="{FF2B5EF4-FFF2-40B4-BE49-F238E27FC236}">
-                <a16:creationId xmlns:a16="http://schemas.microsoft.com/office/drawing/2014/main" id="{2AF4479F-4D5E-B0CA-D1F5-A029490A7839}"/>
-              </a:ext>
-            </a:extLst>
-          </p:cNvPr>
-          <p:cNvSpPr>
-            <a:spLocks noGrp="1"/>
-          </p:cNvSpPr>
-          <p:nvPr>
-            <p:ph idx="1"/>
-          </p:nvPr>
-        </p:nvSpPr>
-        <p:spPr/>
-        <p:txBody>
-          <a:bodyPr/>
-          <a:lstStyle/>
-          <a:p>
-            <a:endParaRPr lang="en-US"/>
-          </a:p>
-        </p:txBody>
-      </p:sp>
+          <p:cNvPicPr>
+            <a:picLocks noChangeAspect="1"/>
+          </p:cNvPicPr>
+          <p:nvPr/>
+        </p:nvPicPr>
+        <p:blipFill>
+          <a:blip r:embed="rId2"/>
+          <a:stretch>
+            <a:fillRect/>
+          </a:stretch>
+        </p:blipFill>
+        <p:spPr>
+          <a:xfrm>
+            <a:off x="3795479" y="3838549"/>
+            <a:ext cx="3839042" cy="895403"/>
+          </a:xfrm>
+          <a:prstGeom prst="rect">
+            <a:avLst/>
+          </a:prstGeom>
+        </p:spPr>
+      </p:pic>
     </p:spTree>
     <p:extLst>
       <p:ext uri="{BB962C8B-B14F-4D97-AF65-F5344CB8AC3E}">
